--- a/deep_learning/Presentation1.pptx
+++ b/deep_learning/Presentation1.pptx
@@ -130,14 +130,14 @@
             <p14:sldId id="266"/>
             <p14:sldId id="257"/>
             <p14:sldId id="259"/>
+            <p14:sldId id="267"/>
+            <p14:sldId id="268"/>
+            <p14:sldId id="269"/>
+            <p14:sldId id="270"/>
             <p14:sldId id="260"/>
             <p14:sldId id="264"/>
             <p14:sldId id="265"/>
             <p14:sldId id="258"/>
-            <p14:sldId id="267"/>
-            <p14:sldId id="268"/>
-            <p14:sldId id="269"/>
-            <p14:sldId id="270"/>
           </p14:sldIdLst>
         </p14:section>
       </p14:sectionLst>
@@ -3297,7 +3297,7 @@
         <a:spcBef>
           <a:spcPts val="1000"/>
         </a:spcBef>
-        <a:buFont typeface="Arial" panose="02080604020202020204" pitchFamily="34" charset="0"/>
+        <a:buFont typeface="Arial" panose="020B0604020202090204" pitchFamily="34" charset="0"/>
         <a:buChar char="•"/>
         <a:defRPr sz="2400" kern="1200">
           <a:solidFill>
@@ -3315,7 +3315,7 @@
         <a:spcBef>
           <a:spcPts val="500"/>
         </a:spcBef>
-        <a:buFont typeface="Arial" panose="02080604020202020204" pitchFamily="34" charset="0"/>
+        <a:buFont typeface="Arial" panose="020B0604020202090204" pitchFamily="34" charset="0"/>
         <a:buChar char="•"/>
         <a:defRPr sz="2000" kern="1200">
           <a:solidFill>
@@ -3333,7 +3333,7 @@
         <a:spcBef>
           <a:spcPts val="500"/>
         </a:spcBef>
-        <a:buFont typeface="Arial" panose="02080604020202020204" pitchFamily="34" charset="0"/>
+        <a:buFont typeface="Arial" panose="020B0604020202090204" pitchFamily="34" charset="0"/>
         <a:buChar char="•"/>
         <a:defRPr sz="1800" kern="1200">
           <a:solidFill>
@@ -3351,7 +3351,7 @@
         <a:spcBef>
           <a:spcPts val="500"/>
         </a:spcBef>
-        <a:buFont typeface="Arial" panose="02080604020202020204" pitchFamily="34" charset="0"/>
+        <a:buFont typeface="Arial" panose="020B0604020202090204" pitchFamily="34" charset="0"/>
         <a:buChar char="•"/>
         <a:defRPr sz="1800" kern="1200">
           <a:solidFill>
@@ -3369,7 +3369,7 @@
         <a:spcBef>
           <a:spcPts val="500"/>
         </a:spcBef>
-        <a:buFont typeface="Arial" panose="02080604020202020204" pitchFamily="34" charset="0"/>
+        <a:buFont typeface="Arial" panose="020B0604020202090204" pitchFamily="34" charset="0"/>
         <a:buChar char="•"/>
         <a:defRPr sz="1800" kern="1200">
           <a:solidFill>
@@ -3387,7 +3387,7 @@
         <a:spcBef>
           <a:spcPts val="500"/>
         </a:spcBef>
-        <a:buFont typeface="Arial" panose="02080604020202020204" pitchFamily="34" charset="0"/>
+        <a:buFont typeface="Arial" panose="020B0604020202090204" pitchFamily="34" charset="0"/>
         <a:buChar char="•"/>
         <a:defRPr sz="1800" kern="1200">
           <a:solidFill>
@@ -3405,7 +3405,7 @@
         <a:spcBef>
           <a:spcPts val="500"/>
         </a:spcBef>
-        <a:buFont typeface="Arial" panose="02080604020202020204" pitchFamily="34" charset="0"/>
+        <a:buFont typeface="Arial" panose="020B0604020202090204" pitchFamily="34" charset="0"/>
         <a:buChar char="•"/>
         <a:defRPr sz="1800" kern="1200">
           <a:solidFill>
@@ -3423,7 +3423,7 @@
         <a:spcBef>
           <a:spcPts val="500"/>
         </a:spcBef>
-        <a:buFont typeface="Arial" panose="02080604020202020204" pitchFamily="34" charset="0"/>
+        <a:buFont typeface="Arial" panose="020B0604020202090204" pitchFamily="34" charset="0"/>
         <a:buChar char="•"/>
         <a:defRPr sz="1800" kern="1200">
           <a:solidFill>
@@ -3441,7 +3441,7 @@
         <a:spcBef>
           <a:spcPts val="500"/>
         </a:spcBef>
-        <a:buFont typeface="Arial" panose="02080604020202020204" pitchFamily="34" charset="0"/>
+        <a:buFont typeface="Arial" panose="020B0604020202090204" pitchFamily="34" charset="0"/>
         <a:buChar char="•"/>
         <a:defRPr sz="1800" kern="1200">
           <a:solidFill>
@@ -3574,7 +3574,7 @@
         </p:nvSpPr>
         <p:spPr>
           <a:xfrm>
-            <a:off x="1524000" y="2629792"/>
+            <a:off x="1464310" y="3547367"/>
             <a:ext cx="9144000" cy="2187001"/>
           </a:xfrm>
         </p:spPr>
@@ -3587,6 +3587,9 @@
               <a:rPr lang="en-US"/>
               <a:t>Is Attention Better Than Matrix Decomposition?</a:t>
             </a:r>
+            <a:br>
+              <a:rPr lang="en-US"/>
+            </a:br>
             <a:br>
               <a:rPr lang="en-US"/>
             </a:br>
@@ -4164,7 +4167,7 @@
             </a:r>
             <a:r>
               <a:rPr lang="zh-CN" altLang="en-US"/>
-              <a:t>模型都应用了自回归机制，这两种任务都富有竞争力所以足够来比较</a:t>
+              <a:t>模型都应用了自注意力机制，这两种任务都富有竞争力所以足够来比较</a:t>
             </a:r>
             <a:r>
               <a:rPr lang="en-US" altLang="zh-CN"/>
@@ -4172,7 +4175,7 @@
             </a:r>
             <a:r>
               <a:rPr lang="zh-CN" altLang="en-US"/>
-              <a:t>模型和自回归机制。消融实验展示了矩阵分解在</a:t>
+              <a:t>模型和自注意力机制。消融实验展示了矩阵分解在</a:t>
             </a:r>
             <a:r>
               <a:rPr lang="en-US" altLang="zh-CN"/>
@@ -4180,15 +4183,15 @@
             </a:r>
             <a:r>
               <a:rPr lang="zh-CN" altLang="en-US"/>
-              <a:t>模型中的重要性。通过比较性能和计算代价比较</a:t>
+              <a:t>模型中的重要性。通过比较性能和计算代价比较“</a:t>
             </a:r>
             <a:r>
               <a:rPr lang="en-US" altLang="zh-CN"/>
-              <a:t>””</a:t>
+              <a:t>Hamburger”</a:t>
             </a:r>
             <a:r>
               <a:rPr lang="zh-CN" altLang="en-US"/>
-              <a:t>与自回归孰优孰劣</a:t>
+              <a:t>与自注意力孰优孰劣</a:t>
             </a:r>
             <a:endParaRPr lang="zh-CN" altLang="en-US"/>
           </a:p>
@@ -4276,7 +4279,7 @@
           </a:bodyPr>
           <a:p>
             <a:pPr marL="285750" indent="-285750">
-              <a:buFont typeface="Arial" panose="02080604020202020204" pitchFamily="34" charset="0"/>
+              <a:buFont typeface="Arial" panose="020B0604020202090204" pitchFamily="34" charset="0"/>
               <a:buChar char="•"/>
             </a:pPr>
             <a:r>
@@ -4295,7 +4298,7 @@
           </a:p>
           <a:p>
             <a:pPr marL="285750" indent="-285750">
-              <a:buFont typeface="Arial" panose="02080604020202020204" pitchFamily="34" charset="0"/>
+              <a:buFont typeface="Arial" panose="020B0604020202090204" pitchFamily="34" charset="0"/>
               <a:buChar char="•"/>
             </a:pPr>
             <a:r>
@@ -4314,14 +4317,14 @@
           </a:p>
           <a:p>
             <a:pPr marL="285750" indent="-285750">
-              <a:buFont typeface="Arial" panose="02080604020202020204" pitchFamily="34" charset="0"/>
+              <a:buFont typeface="Arial" panose="020B0604020202090204" pitchFamily="34" charset="0"/>
               <a:buChar char="•"/>
             </a:pPr>
             <a:endParaRPr lang="en-US" altLang="zh-CN"/>
           </a:p>
           <a:p>
             <a:pPr marL="285750" indent="-285750">
-              <a:buFont typeface="Arial" panose="02080604020202020204" pitchFamily="34" charset="0"/>
+              <a:buFont typeface="Arial" panose="020B0604020202090204" pitchFamily="34" charset="0"/>
               <a:buChar char="•"/>
             </a:pPr>
             <a:r>
@@ -4566,13 +4569,13 @@
               <a:rPr lang="zh-CN" altLang="en-US">
                 <a:sym typeface="+mn-ea"/>
               </a:rPr>
-              <a:t>激活函数，最后使用</a:t>
+              <a:t>激活函数，最后使用“</a:t>
             </a:r>
             <a:r>
               <a:rPr lang="en-US" altLang="zh-CN">
                 <a:sym typeface="+mn-ea"/>
               </a:rPr>
-              <a:t>”Hamburger”</a:t>
+              <a:t>Hamburger”</a:t>
             </a:r>
             <a:r>
               <a:rPr lang="zh-CN" altLang="en-US">
@@ -4615,7 +4618,6 @@
             <a:pPr algn="l"/>
             <a:r>
               <a:rPr lang="zh-CN" altLang="en-US" sz="2400" b="1">
-                <a:ln/>
                 <a:solidFill>
                   <a:schemeClr val="tx1"/>
                 </a:solidFill>
@@ -4634,7 +4636,6 @@
             </a:r>
             <a:r>
               <a:rPr lang="en-US" altLang="zh-CN" sz="2400" b="1">
-                <a:ln/>
                 <a:solidFill>
                   <a:schemeClr val="tx1"/>
                 </a:solidFill>
@@ -4653,7 +4654,6 @@
             </a:r>
             <a:r>
               <a:rPr lang="zh-CN" altLang="en-US" sz="2400" b="1">
-                <a:ln/>
                 <a:solidFill>
                   <a:schemeClr val="tx1"/>
                 </a:solidFill>
@@ -4671,7 +4671,6 @@
               <a:t>实验</a:t>
             </a:r>
             <a:endParaRPr lang="zh-CN" altLang="en-US" sz="3200">
-              <a:ln/>
               <a:solidFill>
                 <a:schemeClr val="tx1"/>
               </a:solidFill>
@@ -4688,7 +4687,6 @@
           </a:p>
           <a:p>
             <a:endParaRPr lang="en-US" altLang="zh-CN" sz="3200">
-              <a:ln/>
               <a:solidFill>
                 <a:schemeClr val="tx1"/>
               </a:solidFill>
